--- a/03_ProjectWildfire_Part6.pptx
+++ b/03_ProjectWildfire_Part6.pptx
@@ -128,6 +128,59 @@
     </p:ext>
   </p:extLst>
 </p:presentation>
+</file>
+
+<file path=ppt/revisionInfo.xml><?xml version="1.0" encoding="utf-8"?>
+<p1510:revInfo xmlns:a="http://schemas.openxmlformats.org/drawingml/2006/main" xmlns:r="http://schemas.openxmlformats.org/officeDocument/2006/relationships" xmlns:p1510="http://schemas.microsoft.com/office/powerpoint/2015/10/main">
+  <p1510:revLst>
+    <p1510:client id="{BDC7F172-D9F8-4D55-8521-549F78D69F59}" v="13" dt="2022-12-07T03:03:28.172"/>
+  </p1510:revLst>
+</p1510:revInfo>
+</file>
+
+<file path=ppt/changesInfos/changesInfo1.xml><?xml version="1.0" encoding="utf-8"?>
+<pc:chgInfo xmlns:a="http://schemas.openxmlformats.org/drawingml/2006/main" xmlns:r="http://schemas.openxmlformats.org/officeDocument/2006/relationships" xmlns:ac="http://schemas.microsoft.com/office/drawing/2013/main/command" xmlns:pc="http://schemas.microsoft.com/office/powerpoint/2013/main/command">
+  <pc:docChgLst>
+    <pc:chgData name="Fairbairn, Grant" userId="70424cfb-53ea-4f6b-b8b5-bf19ee344a25" providerId="ADAL" clId="{BDC7F172-D9F8-4D55-8521-549F78D69F59}"/>
+    <pc:docChg chg="undo custSel addSld delSld modSld">
+      <pc:chgData name="Fairbairn, Grant" userId="70424cfb-53ea-4f6b-b8b5-bf19ee344a25" providerId="ADAL" clId="{BDC7F172-D9F8-4D55-8521-549F78D69F59}" dt="2022-12-07T03:03:28.141" v="14" actId="14100"/>
+      <pc:docMkLst>
+        <pc:docMk/>
+      </pc:docMkLst>
+      <pc:sldChg chg="addSp delSp modSp add del">
+        <pc:chgData name="Fairbairn, Grant" userId="70424cfb-53ea-4f6b-b8b5-bf19ee344a25" providerId="ADAL" clId="{BDC7F172-D9F8-4D55-8521-549F78D69F59}" dt="2022-12-07T03:03:28.141" v="14" actId="14100"/>
+        <pc:sldMkLst>
+          <pc:docMk/>
+          <pc:sldMk cId="2786337249" sldId="267"/>
+        </pc:sldMkLst>
+        <pc:picChg chg="add mod">
+          <ac:chgData name="Fairbairn, Grant" userId="70424cfb-53ea-4f6b-b8b5-bf19ee344a25" providerId="ADAL" clId="{BDC7F172-D9F8-4D55-8521-549F78D69F59}" dt="2022-12-07T03:03:04.180" v="12" actId="14100"/>
+          <ac:picMkLst>
+            <pc:docMk/>
+            <pc:sldMk cId="2786337249" sldId="267"/>
+            <ac:picMk id="3" creationId="{9A8209FA-ADA2-D52F-1F9C-681C2A38D5EA}"/>
+          </ac:picMkLst>
+        </pc:picChg>
+        <pc:picChg chg="mod">
+          <ac:chgData name="Fairbairn, Grant" userId="70424cfb-53ea-4f6b-b8b5-bf19ee344a25" providerId="ADAL" clId="{BDC7F172-D9F8-4D55-8521-549F78D69F59}" dt="2022-12-07T03:03:28.141" v="14" actId="14100"/>
+          <ac:picMkLst>
+            <pc:docMk/>
+            <pc:sldMk cId="2786337249" sldId="267"/>
+            <ac:picMk id="1026" creationId="{D87B38B2-983A-77AA-B4B4-6E2BB5CE6B3D}"/>
+          </ac:picMkLst>
+        </pc:picChg>
+        <pc:picChg chg="del">
+          <ac:chgData name="Fairbairn, Grant" userId="70424cfb-53ea-4f6b-b8b5-bf19ee344a25" providerId="ADAL" clId="{BDC7F172-D9F8-4D55-8521-549F78D69F59}" dt="2022-12-07T03:02:10.539" v="2" actId="478"/>
+          <ac:picMkLst>
+            <pc:docMk/>
+            <pc:sldMk cId="2786337249" sldId="267"/>
+            <ac:picMk id="1028" creationId="{7364EC25-474C-B38A-ABA3-AD8907BD705C}"/>
+          </ac:picMkLst>
+        </pc:picChg>
+      </pc:sldChg>
+    </pc:docChg>
+  </pc:docChgLst>
+</pc:chgInfo>
 </file>
 
 <file path=ppt/notesMasters/notesMaster1.xml><?xml version="1.0" encoding="utf-8"?>
@@ -18100,7 +18153,7 @@
         <p:fade/>
       </p:transition>
     </mc:Choice>
-    <mc:Fallback xmlns="" xmlns:p15="http://schemas.microsoft.com/office/powerpoint/2012/main">
+    <mc:Fallback xmlns:p15="http://schemas.microsoft.com/office/powerpoint/2012/main" xmlns="">
       <p:transition spd="med">
         <p:fade/>
       </p:transition>
@@ -18337,8 +18390,8 @@
         </p:blipFill>
         <p:spPr bwMode="auto">
           <a:xfrm>
-            <a:off x="873023" y="2561760"/>
-            <a:ext cx="5669025" cy="3261631"/>
+            <a:off x="775855" y="2561759"/>
+            <a:ext cx="6988863" cy="3792668"/>
           </a:xfrm>
           <a:prstGeom prst="rect">
             <a:avLst/>
@@ -18357,10 +18410,10 @@
       </p:pic>
       <p:pic>
         <p:nvPicPr>
-          <p:cNvPr id="1028" name="Picture 4" descr="Image">
+          <p:cNvPr id="3" name="Picture 2">
             <a:extLst>
               <a:ext uri="{FF2B5EF4-FFF2-40B4-BE49-F238E27FC236}">
-                <a16:creationId xmlns:a16="http://schemas.microsoft.com/office/drawing/2014/main" id="{7364EC25-474C-B38A-ABA3-AD8907BD705C}"/>
+                <a16:creationId xmlns:a16="http://schemas.microsoft.com/office/drawing/2014/main" id="{9A8209FA-ADA2-D52F-1F9C-681C2A38D5EA}"/>
               </a:ext>
             </a:extLst>
           </p:cNvPr>
@@ -18384,8 +18437,8 @@
         </p:blipFill>
         <p:spPr bwMode="auto">
           <a:xfrm>
-            <a:off x="6864270" y="2561760"/>
-            <a:ext cx="4744500" cy="3263598"/>
+            <a:off x="8052579" y="2561760"/>
+            <a:ext cx="3227802" cy="3792668"/>
           </a:xfrm>
           <a:prstGeom prst="rect">
             <a:avLst/>
@@ -18714,7 +18767,7 @@
         <p:fade/>
       </p:transition>
     </mc:Choice>
-    <mc:Fallback xmlns="" xmlns:p15="http://schemas.microsoft.com/office/powerpoint/2012/main">
+    <mc:Fallback xmlns:p15="http://schemas.microsoft.com/office/powerpoint/2012/main" xmlns="">
       <p:transition spd="med">
         <p:fade/>
       </p:transition>
@@ -18982,7 +19035,7 @@
         <p:fade/>
       </p:transition>
     </mc:Choice>
-    <mc:Fallback xmlns="" xmlns:p15="http://schemas.microsoft.com/office/powerpoint/2012/main">
+    <mc:Fallback xmlns:p15="http://schemas.microsoft.com/office/powerpoint/2012/main" xmlns="">
       <p:transition spd="med">
         <p:fade/>
       </p:transition>
@@ -19865,7 +19918,7 @@
         <p:fade/>
       </p:transition>
     </mc:Choice>
-    <mc:Fallback xmlns="" xmlns:p15="http://schemas.microsoft.com/office/powerpoint/2012/main">
+    <mc:Fallback xmlns:p15="http://schemas.microsoft.com/office/powerpoint/2012/main" xmlns="">
       <p:transition spd="med">
         <p:fade/>
       </p:transition>
@@ -20531,7 +20584,7 @@
         <p:fade/>
       </p:transition>
     </mc:Choice>
-    <mc:Fallback xmlns="" xmlns:p15="http://schemas.microsoft.com/office/powerpoint/2012/main">
+    <mc:Fallback xmlns:p15="http://schemas.microsoft.com/office/powerpoint/2012/main" xmlns="">
       <p:transition spd="med">
         <p:fade/>
       </p:transition>
@@ -21162,7 +21215,7 @@
         <p:fade/>
       </p:transition>
     </mc:Choice>
-    <mc:Fallback xmlns="" xmlns:p15="http://schemas.microsoft.com/office/powerpoint/2012/main">
+    <mc:Fallback xmlns:p15="http://schemas.microsoft.com/office/powerpoint/2012/main" xmlns="">
       <p:transition spd="med">
         <p:fade/>
       </p:transition>
@@ -22030,7 +22083,7 @@
         <p:fade/>
       </p:transition>
     </mc:Choice>
-    <mc:Fallback xmlns="" xmlns:p15="http://schemas.microsoft.com/office/powerpoint/2012/main">
+    <mc:Fallback xmlns:p15="http://schemas.microsoft.com/office/powerpoint/2012/main" xmlns="">
       <p:transition spd="med">
         <p:fade/>
       </p:transition>
@@ -22302,7 +22355,7 @@
         <p:fade/>
       </p:transition>
     </mc:Choice>
-    <mc:Fallback xmlns="" xmlns:p15="http://schemas.microsoft.com/office/powerpoint/2012/main">
+    <mc:Fallback xmlns:p15="http://schemas.microsoft.com/office/powerpoint/2012/main" xmlns="">
       <p:transition spd="med">
         <p:fade/>
       </p:transition>
@@ -22443,7 +22496,7 @@
         <p:fade/>
       </p:transition>
     </mc:Choice>
-    <mc:Fallback xmlns="" xmlns:p15="http://schemas.microsoft.com/office/powerpoint/2012/main">
+    <mc:Fallback xmlns:p15="http://schemas.microsoft.com/office/powerpoint/2012/main" xmlns="">
       <p:transition spd="med">
         <p:fade/>
       </p:transition>
@@ -22695,7 +22748,7 @@
         <p:fade/>
       </p:transition>
     </mc:Choice>
-    <mc:Fallback xmlns="" xmlns:p15="http://schemas.microsoft.com/office/powerpoint/2012/main">
+    <mc:Fallback xmlns:p15="http://schemas.microsoft.com/office/powerpoint/2012/main" xmlns="">
       <p:transition spd="med">
         <p:fade/>
       </p:transition>
@@ -22924,7 +22977,7 @@
         <p:fade/>
       </p:transition>
     </mc:Choice>
-    <mc:Fallback xmlns="" xmlns:p15="http://schemas.microsoft.com/office/powerpoint/2012/main">
+    <mc:Fallback xmlns:p15="http://schemas.microsoft.com/office/powerpoint/2012/main" xmlns="">
       <p:transition spd="med">
         <p:fade/>
       </p:transition>
